--- a/Inventário Ativo/Documentação/Inventário de Ativos.pptx
+++ b/Inventário Ativo/Documentação/Inventário de Ativos.pptx
@@ -467,7 +467,7 @@
           <a:p>
             <a:fld id="{3CADBD16-5BFB-4D9F-9646-C75D1B53BBB6}" type="datetimeFigureOut">
               <a:rPr lang="en-US" smtClean="0"/>
-              <a:t>10/24/2023</a:t>
+              <a:t>3/4/2024</a:t>
             </a:fld>
             <a:endParaRPr lang="en-US"/>
           </a:p>
@@ -708,7 +708,7 @@
           <a:p>
             <a:fld id="{3CADBD16-5BFB-4D9F-9646-C75D1B53BBB6}" type="datetimeFigureOut">
               <a:rPr lang="en-US" smtClean="0"/>
-              <a:t>10/24/2023</a:t>
+              <a:t>3/4/2024</a:t>
             </a:fld>
             <a:endParaRPr lang="en-US"/>
           </a:p>
@@ -916,7 +916,7 @@
           <a:p>
             <a:fld id="{3CADBD16-5BFB-4D9F-9646-C75D1B53BBB6}" type="datetimeFigureOut">
               <a:rPr lang="en-US" smtClean="0"/>
-              <a:t>10/24/2023</a:t>
+              <a:t>3/4/2024</a:t>
             </a:fld>
             <a:endParaRPr lang="en-US"/>
           </a:p>
@@ -1136,7 +1136,7 @@
           <a:p>
             <a:fld id="{6DC8FE67-F43F-42A5-B103-EFDCDBD61EF2}" type="datetimeFigureOut">
               <a:rPr lang="pt-BR" smtClean="0"/>
-              <a:t>24/10/2023</a:t>
+              <a:t>04/03/2024</a:t>
             </a:fld>
             <a:endParaRPr lang="pt-BR"/>
           </a:p>
@@ -1334,7 +1334,7 @@
           <a:p>
             <a:fld id="{6DC8FE67-F43F-42A5-B103-EFDCDBD61EF2}" type="datetimeFigureOut">
               <a:rPr lang="pt-BR" smtClean="0"/>
-              <a:t>24/10/2023</a:t>
+              <a:t>04/03/2024</a:t>
             </a:fld>
             <a:endParaRPr lang="pt-BR"/>
           </a:p>
@@ -1609,7 +1609,7 @@
           <a:p>
             <a:fld id="{6DC8FE67-F43F-42A5-B103-EFDCDBD61EF2}" type="datetimeFigureOut">
               <a:rPr lang="pt-BR" smtClean="0"/>
-              <a:t>24/10/2023</a:t>
+              <a:t>04/03/2024</a:t>
             </a:fld>
             <a:endParaRPr lang="pt-BR"/>
           </a:p>
@@ -1874,7 +1874,7 @@
           <a:p>
             <a:fld id="{6DC8FE67-F43F-42A5-B103-EFDCDBD61EF2}" type="datetimeFigureOut">
               <a:rPr lang="pt-BR" smtClean="0"/>
-              <a:t>24/10/2023</a:t>
+              <a:t>04/03/2024</a:t>
             </a:fld>
             <a:endParaRPr lang="pt-BR"/>
           </a:p>
@@ -2286,7 +2286,7 @@
           <a:p>
             <a:fld id="{6DC8FE67-F43F-42A5-B103-EFDCDBD61EF2}" type="datetimeFigureOut">
               <a:rPr lang="pt-BR" smtClean="0"/>
-              <a:t>24/10/2023</a:t>
+              <a:t>04/03/2024</a:t>
             </a:fld>
             <a:endParaRPr lang="pt-BR"/>
           </a:p>
@@ -2427,7 +2427,7 @@
           <a:p>
             <a:fld id="{6DC8FE67-F43F-42A5-B103-EFDCDBD61EF2}" type="datetimeFigureOut">
               <a:rPr lang="pt-BR" smtClean="0"/>
-              <a:t>24/10/2023</a:t>
+              <a:t>04/03/2024</a:t>
             </a:fld>
             <a:endParaRPr lang="pt-BR"/>
           </a:p>
@@ -2540,7 +2540,7 @@
           <a:p>
             <a:fld id="{6DC8FE67-F43F-42A5-B103-EFDCDBD61EF2}" type="datetimeFigureOut">
               <a:rPr lang="pt-BR" smtClean="0"/>
-              <a:t>24/10/2023</a:t>
+              <a:t>04/03/2024</a:t>
             </a:fld>
             <a:endParaRPr lang="pt-BR"/>
           </a:p>
@@ -2851,7 +2851,7 @@
           <a:p>
             <a:fld id="{6DC8FE67-F43F-42A5-B103-EFDCDBD61EF2}" type="datetimeFigureOut">
               <a:rPr lang="pt-BR" smtClean="0"/>
-              <a:t>24/10/2023</a:t>
+              <a:t>04/03/2024</a:t>
             </a:fld>
             <a:endParaRPr lang="pt-BR"/>
           </a:p>
@@ -3049,7 +3049,7 @@
           <a:p>
             <a:fld id="{3CADBD16-5BFB-4D9F-9646-C75D1B53BBB6}" type="datetimeFigureOut">
               <a:rPr lang="en-US" smtClean="0"/>
-              <a:t>10/24/2023</a:t>
+              <a:t>3/4/2024</a:t>
             </a:fld>
             <a:endParaRPr lang="en-US"/>
           </a:p>
@@ -3337,7 +3337,7 @@
           <a:p>
             <a:fld id="{6DC8FE67-F43F-42A5-B103-EFDCDBD61EF2}" type="datetimeFigureOut">
               <a:rPr lang="pt-BR" smtClean="0"/>
-              <a:t>24/10/2023</a:t>
+              <a:t>04/03/2024</a:t>
             </a:fld>
             <a:endParaRPr lang="pt-BR"/>
           </a:p>
@@ -3535,7 +3535,7 @@
           <a:p>
             <a:fld id="{6DC8FE67-F43F-42A5-B103-EFDCDBD61EF2}" type="datetimeFigureOut">
               <a:rPr lang="pt-BR" smtClean="0"/>
-              <a:t>24/10/2023</a:t>
+              <a:t>04/03/2024</a:t>
             </a:fld>
             <a:endParaRPr lang="pt-BR"/>
           </a:p>
@@ -3743,7 +3743,7 @@
           <a:p>
             <a:fld id="{6DC8FE67-F43F-42A5-B103-EFDCDBD61EF2}" type="datetimeFigureOut">
               <a:rPr lang="pt-BR" smtClean="0"/>
-              <a:t>24/10/2023</a:t>
+              <a:t>04/03/2024</a:t>
             </a:fld>
             <a:endParaRPr lang="pt-BR"/>
           </a:p>
@@ -4020,7 +4020,7 @@
           <a:p>
             <a:fld id="{3CADBD16-5BFB-4D9F-9646-C75D1B53BBB6}" type="datetimeFigureOut">
               <a:rPr lang="en-US" smtClean="0"/>
-              <a:t>10/24/2023</a:t>
+              <a:t>3/4/2024</a:t>
             </a:fld>
             <a:endParaRPr lang="en-US"/>
           </a:p>
@@ -4285,7 +4285,7 @@
           <a:p>
             <a:fld id="{3CADBD16-5BFB-4D9F-9646-C75D1B53BBB6}" type="datetimeFigureOut">
               <a:rPr lang="en-US" smtClean="0"/>
-              <a:t>10/24/2023</a:t>
+              <a:t>3/4/2024</a:t>
             </a:fld>
             <a:endParaRPr lang="en-US"/>
           </a:p>
@@ -4701,7 +4701,7 @@
           <a:p>
             <a:fld id="{3CADBD16-5BFB-4D9F-9646-C75D1B53BBB6}" type="datetimeFigureOut">
               <a:rPr lang="en-US" smtClean="0"/>
-              <a:t>10/24/2023</a:t>
+              <a:t>3/4/2024</a:t>
             </a:fld>
             <a:endParaRPr lang="en-US"/>
           </a:p>
@@ -4851,7 +4851,7 @@
           <a:p>
             <a:fld id="{3CADBD16-5BFB-4D9F-9646-C75D1B53BBB6}" type="datetimeFigureOut">
               <a:rPr lang="en-US" smtClean="0"/>
-              <a:t>10/24/2023</a:t>
+              <a:t>3/4/2024</a:t>
             </a:fld>
             <a:endParaRPr lang="en-US"/>
           </a:p>
@@ -4964,7 +4964,7 @@
           <a:p>
             <a:fld id="{3CADBD16-5BFB-4D9F-9646-C75D1B53BBB6}" type="datetimeFigureOut">
               <a:rPr lang="en-US" smtClean="0"/>
-              <a:t>10/24/2023</a:t>
+              <a:t>3/4/2024</a:t>
             </a:fld>
             <a:endParaRPr lang="en-US"/>
           </a:p>
@@ -5280,7 +5280,7 @@
           <a:p>
             <a:fld id="{3CADBD16-5BFB-4D9F-9646-C75D1B53BBB6}" type="datetimeFigureOut">
               <a:rPr lang="en-US" smtClean="0"/>
-              <a:t>10/24/2023</a:t>
+              <a:t>3/4/2024</a:t>
             </a:fld>
             <a:endParaRPr lang="en-US"/>
           </a:p>
@@ -5531,7 +5531,7 @@
           <a:p>
             <a:fld id="{3CADBD16-5BFB-4D9F-9646-C75D1B53BBB6}" type="datetimeFigureOut">
               <a:rPr lang="en-US" smtClean="0"/>
-              <a:t>10/24/2023</a:t>
+              <a:t>3/4/2024</a:t>
             </a:fld>
             <a:endParaRPr lang="en-US"/>
           </a:p>
@@ -6040,7 +6040,7 @@
             <a:fld id="{3CADBD16-5BFB-4D9F-9646-C75D1B53BBB6}" type="datetimeFigureOut">
               <a:rPr lang="en-US" smtClean="0"/>
               <a:pPr/>
-              <a:t>10/24/2023</a:t>
+              <a:t>3/4/2024</a:t>
             </a:fld>
             <a:endParaRPr lang="en-US" dirty="0"/>
           </a:p>
@@ -6605,7 +6605,7 @@
           <a:p>
             <a:fld id="{6DC8FE67-F43F-42A5-B103-EFDCDBD61EF2}" type="datetimeFigureOut">
               <a:rPr lang="pt-BR" smtClean="0"/>
-              <a:t>24/10/2023</a:t>
+              <a:t>04/03/2024</a:t>
             </a:fld>
             <a:endParaRPr lang="pt-BR"/>
           </a:p>
@@ -7603,6 +7603,16 @@
 <file path=ppt/slides/slide2.xml><?xml version="1.0" encoding="utf-8"?>
 <p:sld xmlns:a="http://schemas.openxmlformats.org/drawingml/2006/main" xmlns:r="http://schemas.openxmlformats.org/officeDocument/2006/relationships" xmlns:p="http://schemas.openxmlformats.org/presentationml/2006/main">
   <p:cSld>
+    <p:bg>
+      <p:bgPr>
+        <a:solidFill>
+          <a:srgbClr val="FFFF00">
+            <a:alpha val="0"/>
+          </a:srgbClr>
+        </a:solidFill>
+        <a:effectLst/>
+      </p:bgPr>
+    </p:bg>
     <p:spTree>
       <p:nvGrpSpPr>
         <p:cNvPr id="1" name=""/>
@@ -7757,6 +7767,12 @@
           <a:prstGeom prst="rect">
             <a:avLst/>
           </a:prstGeom>
+          <a:solidFill>
+            <a:schemeClr val="bg1">
+              <a:lumMod val="75000"/>
+              <a:alpha val="45000"/>
+            </a:schemeClr>
+          </a:solidFill>
         </p:spPr>
       </p:pic>
       <p:sp>
@@ -7991,7 +8007,7 @@
         </p:nvSpPr>
         <p:spPr>
           <a:xfrm>
-            <a:off x="8429480" y="1356793"/>
+            <a:off x="8458202" y="1601241"/>
             <a:ext cx="3459481" cy="646331"/>
           </a:xfrm>
           <a:prstGeom prst="rect">
